--- a/NLP Präsentation.pptx
+++ b/NLP Präsentation.pptx
@@ -5,7 +5,7 @@
     <p:sldMasterId id="2147483660" r:id="rId1"/>
   </p:sldMasterIdLst>
   <p:notesMasterIdLst>
-    <p:notesMasterId r:id="rId13"/>
+    <p:notesMasterId r:id="rId11"/>
   </p:notesMasterIdLst>
   <p:sldIdLst>
     <p:sldId id="256" r:id="rId2"/>
@@ -14,11 +14,9 @@
     <p:sldId id="259" r:id="rId5"/>
     <p:sldId id="260" r:id="rId6"/>
     <p:sldId id="261" r:id="rId7"/>
-    <p:sldId id="262" r:id="rId8"/>
-    <p:sldId id="263" r:id="rId9"/>
-    <p:sldId id="264" r:id="rId10"/>
-    <p:sldId id="265" r:id="rId11"/>
-    <p:sldId id="266" r:id="rId12"/>
+    <p:sldId id="263" r:id="rId8"/>
+    <p:sldId id="265" r:id="rId9"/>
+    <p:sldId id="266" r:id="rId10"/>
   </p:sldIdLst>
   <p:sldSz cx="12192000" cy="6858000"/>
   <p:notesSz cx="6858000" cy="9144000"/>
@@ -518,14 +516,6 @@
           <a:bodyPr/>
           <a:lstStyle/>
           <a:p>
-            <a:r>
-              <a:rPr lang="de-DE" dirty="0"/>
-              <a:t>C2G als </a:t>
-            </a:r>
-            <a:r>
-              <a:rPr lang="de-DE" dirty="0" err="1"/>
-              <a:t>basis</a:t>
-            </a:r>
             <a:endParaRPr lang="de-DE" dirty="0"/>
           </a:p>
         </p:txBody>
@@ -547,7 +537,7 @@
           <a:p>
             <a:fld id="{F1EB0054-8D9C-4A04-B3F2-EE2A0FB09536}" type="slidenum">
               <a:rPr lang="de-DE" smtClean="0"/>
-              <a:t>3</a:t>
+              <a:t>1</a:t>
             </a:fld>
             <a:endParaRPr lang="de-DE"/>
           </a:p>
@@ -556,7 +546,7 @@
     </p:spTree>
     <p:extLst>
       <p:ext uri="{BB962C8B-B14F-4D97-AF65-F5344CB8AC3E}">
-        <p14:creationId xmlns:p14="http://schemas.microsoft.com/office/powerpoint/2010/main" val="2980807774"/>
+        <p14:creationId xmlns:p14="http://schemas.microsoft.com/office/powerpoint/2010/main" val="1120944077"/>
       </p:ext>
     </p:extLst>
   </p:cSld>
@@ -612,64 +602,12 @@
           <a:p>
             <a:r>
               <a:rPr lang="de-DE" dirty="0"/>
-              <a:t>LSTM: https://www.youtube.com/watch?v=5dMXyiWddYs</a:t>
-            </a:r>
-          </a:p>
-          <a:p>
-            <a:r>
-              <a:rPr lang="de-DE" dirty="0"/>
-              <a:t>	Long Short Term Memory Network</a:t>
-            </a:r>
-          </a:p>
-          <a:p>
-            <a:r>
-              <a:rPr lang="de-DE" dirty="0"/>
-              <a:t>	</a:t>
+              <a:t>C2G als </a:t>
             </a:r>
             <a:r>
               <a:rPr lang="de-DE" dirty="0" err="1"/>
-              <a:t>Recurrent</a:t>
-            </a:r>
-            <a:r>
-              <a:rPr lang="de-DE" dirty="0"/>
-              <a:t> </a:t>
-            </a:r>
-            <a:r>
-              <a:rPr lang="de-DE" dirty="0" err="1"/>
-              <a:t>Neural</a:t>
-            </a:r>
-            <a:r>
-              <a:rPr lang="de-DE" dirty="0"/>
-              <a:t> Network</a:t>
-            </a:r>
-          </a:p>
-          <a:p>
-            <a:r>
-              <a:rPr lang="de-DE" dirty="0"/>
-              <a:t>	Output von vorangegangenen Operationen wird für neue mit verwendet</a:t>
-            </a:r>
-          </a:p>
-          <a:p>
-            <a:r>
-              <a:rPr lang="de-DE" dirty="0"/>
-              <a:t>	Auch beliebt um Textlücken zu füllen </a:t>
-            </a:r>
-            <a:r>
-              <a:rPr lang="de-DE" dirty="0" err="1"/>
-              <a:t>z.b.</a:t>
-            </a:r>
-            <a:r>
-              <a:rPr lang="de-DE" dirty="0"/>
-              <a:t> </a:t>
-            </a:r>
-          </a:p>
-          <a:p>
-            <a:r>
-              <a:rPr lang="de-DE" dirty="0"/>
-              <a:t>	</a:t>
-            </a:r>
-          </a:p>
-          <a:p>
+              <a:t>basis</a:t>
+            </a:r>
             <a:endParaRPr lang="de-DE" dirty="0"/>
           </a:p>
         </p:txBody>
@@ -691,7 +629,7 @@
           <a:p>
             <a:fld id="{F1EB0054-8D9C-4A04-B3F2-EE2A0FB09536}" type="slidenum">
               <a:rPr lang="de-DE" smtClean="0"/>
-              <a:t>5</a:t>
+              <a:t>3</a:t>
             </a:fld>
             <a:endParaRPr lang="de-DE"/>
           </a:p>
@@ -700,7 +638,7 @@
     </p:spTree>
     <p:extLst>
       <p:ext uri="{BB962C8B-B14F-4D97-AF65-F5344CB8AC3E}">
-        <p14:creationId xmlns:p14="http://schemas.microsoft.com/office/powerpoint/2010/main" val="3199909876"/>
+        <p14:creationId xmlns:p14="http://schemas.microsoft.com/office/powerpoint/2010/main" val="2980807774"/>
       </p:ext>
     </p:extLst>
   </p:cSld>
@@ -754,6 +692,60 @@
           <a:bodyPr/>
           <a:lstStyle/>
           <a:p>
+            <a:r>
+              <a:rPr lang="de-DE" dirty="0"/>
+              <a:t>LSTM: https://www.youtube.com/watch?v=5dMXyiWddYs</a:t>
+            </a:r>
+          </a:p>
+          <a:p>
+            <a:r>
+              <a:rPr lang="de-DE" dirty="0"/>
+              <a:t>	Long Short Term Memory Network</a:t>
+            </a:r>
+          </a:p>
+          <a:p>
+            <a:r>
+              <a:rPr lang="de-DE" dirty="0"/>
+              <a:t>	</a:t>
+            </a:r>
+            <a:r>
+              <a:rPr lang="de-DE" dirty="0" err="1"/>
+              <a:t>Recurrent</a:t>
+            </a:r>
+            <a:r>
+              <a:rPr lang="de-DE" dirty="0"/>
+              <a:t> </a:t>
+            </a:r>
+            <a:r>
+              <a:rPr lang="de-DE" dirty="0" err="1"/>
+              <a:t>Neural</a:t>
+            </a:r>
+            <a:r>
+              <a:rPr lang="de-DE" dirty="0"/>
+              <a:t> Network</a:t>
+            </a:r>
+          </a:p>
+          <a:p>
+            <a:r>
+              <a:rPr lang="de-DE" dirty="0"/>
+              <a:t>	Output von vorangegangenen Operationen wird für neue mit verwendet</a:t>
+            </a:r>
+          </a:p>
+          <a:p>
+            <a:r>
+              <a:rPr lang="de-DE" dirty="0"/>
+              <a:t>	Auch beliebt um Textlücken zu füllen </a:t>
+            </a:r>
+            <a:r>
+              <a:rPr lang="de-DE" dirty="0" err="1"/>
+              <a:t>z.b.</a:t>
+            </a:r>
+            <a:r>
+              <a:rPr lang="de-DE" dirty="0"/>
+              <a:t> 	</a:t>
+            </a:r>
+          </a:p>
+          <a:p>
             <a:endParaRPr lang="de-DE" dirty="0"/>
           </a:p>
         </p:txBody>
@@ -775,7 +767,7 @@
           <a:p>
             <a:fld id="{F1EB0054-8D9C-4A04-B3F2-EE2A0FB09536}" type="slidenum">
               <a:rPr lang="de-DE" smtClean="0"/>
-              <a:t>6</a:t>
+              <a:t>5</a:t>
             </a:fld>
             <a:endParaRPr lang="de-DE"/>
           </a:p>
@@ -784,7 +776,7 @@
     </p:spTree>
     <p:extLst>
       <p:ext uri="{BB962C8B-B14F-4D97-AF65-F5344CB8AC3E}">
-        <p14:creationId xmlns:p14="http://schemas.microsoft.com/office/powerpoint/2010/main" val="1911582853"/>
+        <p14:creationId xmlns:p14="http://schemas.microsoft.com/office/powerpoint/2010/main" val="3199909876"/>
       </p:ext>
     </p:extLst>
   </p:cSld>
@@ -838,24 +830,7 @@
           <a:bodyPr/>
           <a:lstStyle/>
           <a:p>
-            <a:r>
-              <a:rPr lang="de-DE" dirty="0"/>
-              <a:t>Adam: Anfangs große Schritte in der Iteration, mit steigenden </a:t>
-            </a:r>
-            <a:r>
-              <a:rPr lang="de-DE" dirty="0" err="1"/>
-              <a:t>Epochs</a:t>
-            </a:r>
-            <a:r>
-              <a:rPr lang="de-DE" dirty="0"/>
-              <a:t> immer kleiner und genauer</a:t>
-            </a:r>
-          </a:p>
-          <a:p>
-            <a:r>
-              <a:rPr lang="de-DE" dirty="0"/>
-              <a:t>MSE: Distanz zwischen Regressionslinie und Datenpunkt quadriert, das von allen Datenpunkten addiert und durch Anzahl aller Datenpunkte geteilt</a:t>
-            </a:r>
+            <a:endParaRPr lang="de-DE" dirty="0"/>
           </a:p>
         </p:txBody>
       </p:sp>
@@ -876,7 +851,7 @@
           <a:p>
             <a:fld id="{F1EB0054-8D9C-4A04-B3F2-EE2A0FB09536}" type="slidenum">
               <a:rPr lang="de-DE" smtClean="0"/>
-              <a:t>8</a:t>
+              <a:t>6</a:t>
             </a:fld>
             <a:endParaRPr lang="de-DE"/>
           </a:p>
@@ -885,7 +860,7 @@
     </p:spTree>
     <p:extLst>
       <p:ext uri="{BB962C8B-B14F-4D97-AF65-F5344CB8AC3E}">
-        <p14:creationId xmlns:p14="http://schemas.microsoft.com/office/powerpoint/2010/main" val="1847977949"/>
+        <p14:creationId xmlns:p14="http://schemas.microsoft.com/office/powerpoint/2010/main" val="1911582853"/>
       </p:ext>
     </p:extLst>
   </p:cSld>
@@ -941,23 +916,21 @@
           <a:p>
             <a:r>
               <a:rPr lang="de-DE" dirty="0"/>
-              <a:t>RMSE: Distanz zwischen Best fit und </a:t>
+              <a:t>Adam: Anfangs große Schritte in der Iteration, mit steigenden </a:t>
             </a:r>
             <a:r>
               <a:rPr lang="de-DE" dirty="0" err="1"/>
-              <a:t>actual</a:t>
+              <a:t>Epochs</a:t>
             </a:r>
             <a:r>
               <a:rPr lang="de-DE" dirty="0"/>
-              <a:t> fit quadriert, das von allen Datenpunkten addiert und durch Anzahl aller Datenpunkte geteilt und am ende noch </a:t>
-            </a:r>
-            <a:r>
-              <a:rPr lang="de-DE" dirty="0" err="1"/>
-              <a:t>wurzel</a:t>
-            </a:r>
+              <a:t> immer kleiner und genauer</a:t>
+            </a:r>
+          </a:p>
+          <a:p>
             <a:r>
               <a:rPr lang="de-DE" dirty="0"/>
-              <a:t> ziehen </a:t>
+              <a:t>MSE: Distanz zwischen Regressionslinie und Datenpunkt quadriert, das von allen Datenpunkten addiert und durch Anzahl aller Datenpunkte geteilt</a:t>
             </a:r>
           </a:p>
         </p:txBody>
@@ -979,7 +952,7 @@
           <a:p>
             <a:fld id="{F1EB0054-8D9C-4A04-B3F2-EE2A0FB09536}" type="slidenum">
               <a:rPr lang="de-DE" smtClean="0"/>
-              <a:t>9</a:t>
+              <a:t>7</a:t>
             </a:fld>
             <a:endParaRPr lang="de-DE"/>
           </a:p>
@@ -988,7 +961,7 @@
     </p:spTree>
     <p:extLst>
       <p:ext uri="{BB962C8B-B14F-4D97-AF65-F5344CB8AC3E}">
-        <p14:creationId xmlns:p14="http://schemas.microsoft.com/office/powerpoint/2010/main" val="66250798"/>
+        <p14:creationId xmlns:p14="http://schemas.microsoft.com/office/powerpoint/2010/main" val="1847977949"/>
       </p:ext>
     </p:extLst>
   </p:cSld>
@@ -6963,6 +6936,14 @@
 <file path=ppt/slides/slide1.xml><?xml version="1.0" encoding="utf-8"?>
 <p:sld xmlns:a="http://schemas.openxmlformats.org/drawingml/2006/main" xmlns:r="http://schemas.openxmlformats.org/officeDocument/2006/relationships" xmlns:p="http://schemas.openxmlformats.org/presentationml/2006/main">
   <p:cSld>
+    <p:bg>
+      <p:bgPr>
+        <a:solidFill>
+          <a:schemeClr val="bg1"/>
+        </a:solidFill>
+        <a:effectLst/>
+      </p:bgPr>
+    </p:bg>
     <p:spTree>
       <p:nvGrpSpPr>
         <p:cNvPr id="1" name=""/>
@@ -6977,6 +6958,102 @@
           <a:chExt cx="0" cy="0"/>
         </a:xfrm>
       </p:grpSpPr>
+      <p:sp useBgFill="1">
+        <p:nvSpPr>
+          <p:cNvPr id="18" name="Rectangle 11">
+            <a:extLst>
+              <a:ext uri="{FF2B5EF4-FFF2-40B4-BE49-F238E27FC236}">
+                <a16:creationId xmlns:a16="http://schemas.microsoft.com/office/drawing/2014/main" id="{A4322390-8B58-46BE-88EB-D9FD30C08743}"/>
+              </a:ext>
+              <a:ext uri="{C183D7F6-B498-43B3-948B-1728B52AA6E4}">
+                <adec:decorative xmlns:adec="http://schemas.microsoft.com/office/drawing/2017/decorative" val="1"/>
+              </a:ext>
+            </a:extLst>
+          </p:cNvPr>
+          <p:cNvSpPr>
+            <a:spLocks noGrp="1" noRot="1" noChangeAspect="1" noMove="1" noResize="1" noEditPoints="1" noAdjustHandles="1" noChangeArrowheads="1" noChangeShapeType="1" noTextEdit="1"/>
+          </p:cNvSpPr>
+          <p:nvPr>
+            <p:extLst>
+              <p:ext uri="{386F3935-93C4-4BCD-93E2-E3B085C9AB24}">
+                <p16:designElem xmlns:p16="http://schemas.microsoft.com/office/powerpoint/2015/main" val="1"/>
+              </p:ext>
+            </p:extLst>
+          </p:nvPr>
+        </p:nvSpPr>
+        <p:spPr>
+          <a:xfrm>
+            <a:off x="0" y="0"/>
+            <a:ext cx="12192000" cy="6858000"/>
+          </a:xfrm>
+          <a:prstGeom prst="rect">
+            <a:avLst/>
+          </a:prstGeom>
+          <a:ln>
+            <a:noFill/>
+          </a:ln>
+        </p:spPr>
+        <p:style>
+          <a:lnRef idx="2">
+            <a:schemeClr val="accent1">
+              <a:shade val="50000"/>
+            </a:schemeClr>
+          </a:lnRef>
+          <a:fillRef idx="1">
+            <a:schemeClr val="accent1"/>
+          </a:fillRef>
+          <a:effectRef idx="0">
+            <a:schemeClr val="accent1"/>
+          </a:effectRef>
+          <a:fontRef idx="minor">
+            <a:schemeClr val="lt1"/>
+          </a:fontRef>
+        </p:style>
+        <p:txBody>
+          <a:bodyPr rtlCol="0" anchor="ctr"/>
+          <a:lstStyle/>
+          <a:p>
+            <a:pPr algn="ctr"/>
+            <a:endParaRPr lang="en-US"/>
+          </a:p>
+        </p:txBody>
+      </p:sp>
+      <p:pic>
+        <p:nvPicPr>
+          <p:cNvPr id="9" name="Grafik 8" descr="Ein Bild, das Text enthält.&#10;&#10;Automatisch generierte Beschreibung">
+            <a:extLst>
+              <a:ext uri="{FF2B5EF4-FFF2-40B4-BE49-F238E27FC236}">
+                <a16:creationId xmlns:a16="http://schemas.microsoft.com/office/drawing/2014/main" id="{BDD7F17E-04FF-46DE-817D-45C23ED4CD99}"/>
+              </a:ext>
+            </a:extLst>
+          </p:cNvPr>
+          <p:cNvPicPr>
+            <a:picLocks noChangeAspect="1"/>
+          </p:cNvPicPr>
+          <p:nvPr/>
+        </p:nvPicPr>
+        <p:blipFill>
+          <a:blip r:embed="rId3">
+            <a:extLst>
+              <a:ext uri="{28A0092B-C50C-407E-A947-70E740481C1C}">
+                <a14:useLocalDpi xmlns:a14="http://schemas.microsoft.com/office/drawing/2010/main" val="0"/>
+              </a:ext>
+            </a:extLst>
+          </a:blip>
+          <a:stretch>
+            <a:fillRect/>
+          </a:stretch>
+        </p:blipFill>
+        <p:spPr>
+          <a:xfrm>
+            <a:off x="0" y="0"/>
+            <a:ext cx="12192000" cy="6858000"/>
+          </a:xfrm>
+          <a:prstGeom prst="rect">
+            <a:avLst/>
+          </a:prstGeom>
+        </p:spPr>
+      </p:pic>
       <p:sp>
         <p:nvSpPr>
           <p:cNvPr id="2" name="Titel 1">
@@ -6993,13 +7070,24 @@
             <p:ph type="ctrTitle"/>
           </p:nvPr>
         </p:nvSpPr>
-        <p:spPr/>
-        <p:txBody>
-          <a:bodyPr/>
-          <a:lstStyle/>
-          <a:p>
-            <a:r>
-              <a:rPr lang="de-DE" dirty="0"/>
+        <p:spPr>
+          <a:xfrm>
+            <a:off x="1154955" y="1447800"/>
+            <a:ext cx="8825658" cy="3329581"/>
+          </a:xfrm>
+        </p:spPr>
+        <p:txBody>
+          <a:bodyPr>
+            <a:normAutofit/>
+          </a:bodyPr>
+          <a:lstStyle/>
+          <a:p>
+            <a:r>
+              <a:rPr lang="de-DE">
+                <a:solidFill>
+                  <a:schemeClr val="tx1"/>
+                </a:solidFill>
+              </a:rPr>
               <a:t>Stonk2Gether</a:t>
             </a:r>
           </a:p>
@@ -7021,19 +7109,34 @@
             <p:ph type="subTitle" idx="1"/>
           </p:nvPr>
         </p:nvSpPr>
-        <p:spPr/>
-        <p:txBody>
-          <a:bodyPr/>
-          <a:lstStyle/>
-          <a:p>
-            <a:r>
-              <a:rPr lang="de-DE" sz="1400" dirty="0"/>
+        <p:spPr>
+          <a:xfrm>
+            <a:off x="1154955" y="4777380"/>
+            <a:ext cx="8825658" cy="861420"/>
+          </a:xfrm>
+        </p:spPr>
+        <p:txBody>
+          <a:bodyPr>
+            <a:normAutofit/>
+          </a:bodyPr>
+          <a:lstStyle/>
+          <a:p>
+            <a:r>
+              <a:rPr lang="de-DE">
+                <a:solidFill>
+                  <a:schemeClr val="tx1"/>
+                </a:solidFill>
+              </a:rPr>
               <a:t>By</a:t>
             </a:r>
           </a:p>
           <a:p>
             <a:r>
-              <a:rPr lang="de-DE" sz="1400" dirty="0"/>
+              <a:rPr lang="de-DE">
+                <a:solidFill>
+                  <a:schemeClr val="tx1"/>
+                </a:solidFill>
+              </a:rPr>
               <a:t>Ferdinand Muth, Lukas Bach and Jonas Wuttke</a:t>
             </a:r>
           </a:p>
@@ -7043,172 +7146,6 @@
     <p:extLst>
       <p:ext uri="{BB962C8B-B14F-4D97-AF65-F5344CB8AC3E}">
         <p14:creationId xmlns:p14="http://schemas.microsoft.com/office/powerpoint/2010/main" val="1466106523"/>
-      </p:ext>
-    </p:extLst>
-  </p:cSld>
-  <p:clrMapOvr>
-    <a:masterClrMapping/>
-  </p:clrMapOvr>
-</p:sld>
-</file>
-
-<file path=ppt/slides/slide10.xml><?xml version="1.0" encoding="utf-8"?>
-<p:sld xmlns:a="http://schemas.openxmlformats.org/drawingml/2006/main" xmlns:r="http://schemas.openxmlformats.org/officeDocument/2006/relationships" xmlns:p="http://schemas.openxmlformats.org/presentationml/2006/main">
-  <p:cSld>
-    <p:spTree>
-      <p:nvGrpSpPr>
-        <p:cNvPr id="1" name=""/>
-        <p:cNvGrpSpPr/>
-        <p:nvPr/>
-      </p:nvGrpSpPr>
-      <p:grpSpPr>
-        <a:xfrm>
-          <a:off x="0" y="0"/>
-          <a:ext cx="0" cy="0"/>
-          <a:chOff x="0" y="0"/>
-          <a:chExt cx="0" cy="0"/>
-        </a:xfrm>
-      </p:grpSpPr>
-      <p:sp>
-        <p:nvSpPr>
-          <p:cNvPr id="2" name="Titel 1">
-            <a:extLst>
-              <a:ext uri="{FF2B5EF4-FFF2-40B4-BE49-F238E27FC236}">
-                <a16:creationId xmlns:a16="http://schemas.microsoft.com/office/drawing/2014/main" id="{6CAB3C9B-3BEA-4B03-9A64-89B129F8205B}"/>
-              </a:ext>
-            </a:extLst>
-          </p:cNvPr>
-          <p:cNvSpPr>
-            <a:spLocks noGrp="1"/>
-          </p:cNvSpPr>
-          <p:nvPr>
-            <p:ph type="title"/>
-          </p:nvPr>
-        </p:nvSpPr>
-        <p:spPr/>
-        <p:txBody>
-          <a:bodyPr/>
-          <a:lstStyle/>
-          <a:p>
-            <a:r>
-              <a:rPr lang="de-DE" dirty="0"/>
-              <a:t>Ausblick / Verbesserungen</a:t>
-            </a:r>
-          </a:p>
-        </p:txBody>
-      </p:sp>
-      <p:sp>
-        <p:nvSpPr>
-          <p:cNvPr id="3" name="Inhaltsplatzhalter 2">
-            <a:extLst>
-              <a:ext uri="{FF2B5EF4-FFF2-40B4-BE49-F238E27FC236}">
-                <a16:creationId xmlns:a16="http://schemas.microsoft.com/office/drawing/2014/main" id="{C77CD767-6257-445E-AD31-441D1DBB5C96}"/>
-              </a:ext>
-            </a:extLst>
-          </p:cNvPr>
-          <p:cNvSpPr>
-            <a:spLocks noGrp="1"/>
-          </p:cNvSpPr>
-          <p:nvPr>
-            <p:ph idx="1"/>
-          </p:nvPr>
-        </p:nvSpPr>
-        <p:spPr/>
-        <p:txBody>
-          <a:bodyPr/>
-          <a:lstStyle/>
-          <a:p>
-            <a:endParaRPr lang="de-DE" dirty="0"/>
-          </a:p>
-        </p:txBody>
-      </p:sp>
-    </p:spTree>
-    <p:extLst>
-      <p:ext uri="{BB962C8B-B14F-4D97-AF65-F5344CB8AC3E}">
-        <p14:creationId xmlns:p14="http://schemas.microsoft.com/office/powerpoint/2010/main" val="3032199047"/>
-      </p:ext>
-    </p:extLst>
-  </p:cSld>
-  <p:clrMapOvr>
-    <a:masterClrMapping/>
-  </p:clrMapOvr>
-</p:sld>
-</file>
-
-<file path=ppt/slides/slide11.xml><?xml version="1.0" encoding="utf-8"?>
-<p:sld xmlns:a="http://schemas.openxmlformats.org/drawingml/2006/main" xmlns:r="http://schemas.openxmlformats.org/officeDocument/2006/relationships" xmlns:p="http://schemas.openxmlformats.org/presentationml/2006/main">
-  <p:cSld>
-    <p:spTree>
-      <p:nvGrpSpPr>
-        <p:cNvPr id="1" name=""/>
-        <p:cNvGrpSpPr/>
-        <p:nvPr/>
-      </p:nvGrpSpPr>
-      <p:grpSpPr>
-        <a:xfrm>
-          <a:off x="0" y="0"/>
-          <a:ext cx="0" cy="0"/>
-          <a:chOff x="0" y="0"/>
-          <a:chExt cx="0" cy="0"/>
-        </a:xfrm>
-      </p:grpSpPr>
-      <p:sp>
-        <p:nvSpPr>
-          <p:cNvPr id="2" name="Titel 1">
-            <a:extLst>
-              <a:ext uri="{FF2B5EF4-FFF2-40B4-BE49-F238E27FC236}">
-                <a16:creationId xmlns:a16="http://schemas.microsoft.com/office/drawing/2014/main" id="{5A2EA5A9-C99F-4E79-93F4-1619E505CB5B}"/>
-              </a:ext>
-            </a:extLst>
-          </p:cNvPr>
-          <p:cNvSpPr>
-            <a:spLocks noGrp="1"/>
-          </p:cNvSpPr>
-          <p:nvPr>
-            <p:ph type="title"/>
-          </p:nvPr>
-        </p:nvSpPr>
-        <p:spPr/>
-        <p:txBody>
-          <a:bodyPr/>
-          <a:lstStyle/>
-          <a:p>
-            <a:r>
-              <a:rPr lang="de-DE" dirty="0"/>
-              <a:t>Live Demo</a:t>
-            </a:r>
-          </a:p>
-        </p:txBody>
-      </p:sp>
-      <p:sp>
-        <p:nvSpPr>
-          <p:cNvPr id="3" name="Inhaltsplatzhalter 2">
-            <a:extLst>
-              <a:ext uri="{FF2B5EF4-FFF2-40B4-BE49-F238E27FC236}">
-                <a16:creationId xmlns:a16="http://schemas.microsoft.com/office/drawing/2014/main" id="{0EC2A7A2-495D-4B4E-98CB-F4E1523515B9}"/>
-              </a:ext>
-            </a:extLst>
-          </p:cNvPr>
-          <p:cNvSpPr>
-            <a:spLocks noGrp="1"/>
-          </p:cNvSpPr>
-          <p:nvPr>
-            <p:ph idx="1"/>
-          </p:nvPr>
-        </p:nvSpPr>
-        <p:spPr/>
-        <p:txBody>
-          <a:bodyPr/>
-          <a:lstStyle/>
-          <a:p>
-            <a:endParaRPr lang="de-DE"/>
-          </a:p>
-        </p:txBody>
-      </p:sp>
-    </p:spTree>
-    <p:extLst>
-      <p:ext uri="{BB962C8B-B14F-4D97-AF65-F5344CB8AC3E}">
-        <p14:creationId xmlns:p14="http://schemas.microsoft.com/office/powerpoint/2010/main" val="1083751244"/>
       </p:ext>
     </p:extLst>
   </p:cSld>
@@ -7282,7 +7219,7 @@
         <p:spPr/>
         <p:txBody>
           <a:bodyPr>
-            <a:normAutofit lnSpcReduction="10000"/>
+            <a:normAutofit/>
           </a:bodyPr>
           <a:lstStyle/>
           <a:p>
@@ -7300,7 +7237,7 @@
           <a:p>
             <a:r>
               <a:rPr lang="de-DE" dirty="0"/>
-              <a:t>Modelle</a:t>
+              <a:t>Modelle und Evaluation</a:t>
             </a:r>
           </a:p>
           <a:p>
@@ -7310,29 +7247,9 @@
             </a:r>
           </a:p>
           <a:p>
-            <a:pPr lvl="1"/>
-            <a:r>
-              <a:rPr lang="de-DE" dirty="0"/>
-              <a:t>Challenges</a:t>
-            </a:r>
-          </a:p>
-          <a:p>
-            <a:pPr lvl="1"/>
-            <a:r>
-              <a:rPr lang="de-DE" dirty="0"/>
-              <a:t>Kreatives</a:t>
-            </a:r>
-          </a:p>
-          <a:p>
             <a:r>
               <a:rPr lang="de-DE" dirty="0"/>
               <a:t>Funktionsweise unseres Modells</a:t>
-            </a:r>
-          </a:p>
-          <a:p>
-            <a:r>
-              <a:rPr lang="de-DE" dirty="0"/>
-              <a:t>Evaluation der Modelle</a:t>
             </a:r>
           </a:p>
           <a:p>
@@ -7440,19 +7357,8 @@
           <a:p>
             <a:r>
               <a:rPr lang="de-DE" dirty="0"/>
-              <a:t>C2G als Basis</a:t>
-            </a:r>
-          </a:p>
-          <a:p>
-            <a:r>
-              <a:rPr lang="de-DE" dirty="0"/>
-              <a:t>Stock 2 </a:t>
-            </a:r>
-            <a:r>
-              <a:rPr lang="de-DE" dirty="0" err="1"/>
-              <a:t>Gether</a:t>
-            </a:r>
-            <a:endParaRPr lang="de-DE" dirty="0"/>
+              <a:t>Stonk2Gether</a:t>
+            </a:r>
           </a:p>
           <a:p>
             <a:r>
@@ -7463,22 +7369,25 @@
           <a:p>
             <a:r>
               <a:rPr lang="de-DE" dirty="0"/>
-              <a:t>Aktienkurs vorhersagen</a:t>
+              <a:t>Aktienkurse vorhersagen</a:t>
             </a:r>
           </a:p>
           <a:p>
             <a:r>
               <a:rPr lang="de-DE" dirty="0"/>
-              <a:t>(Trading </a:t>
+              <a:t>Dashboard Darstellung</a:t>
+            </a:r>
+          </a:p>
+          <a:p>
+            <a:r>
+              <a:rPr lang="de-DE" dirty="0"/>
+              <a:t>Verbindung zwischen Sentiment und Time Series </a:t>
             </a:r>
             <a:r>
               <a:rPr lang="de-DE" dirty="0" err="1"/>
-              <a:t>Algo</a:t>
-            </a:r>
-            <a:r>
-              <a:rPr lang="de-DE" dirty="0"/>
-              <a:t>)</a:t>
-            </a:r>
+              <a:t>Anaylsis</a:t>
+            </a:r>
+            <a:endParaRPr lang="de-DE" dirty="0"/>
           </a:p>
         </p:txBody>
       </p:sp>
@@ -7563,19 +7472,25 @@
           <a:p>
             <a:r>
               <a:rPr lang="de-DE" dirty="0"/>
+              <a:t>Yahoo Finance</a:t>
+            </a:r>
+          </a:p>
+          <a:p>
+            <a:r>
+              <a:rPr lang="de-DE" dirty="0"/>
+              <a:t>Nasdaq (Stock Ticker) </a:t>
+            </a:r>
+          </a:p>
+          <a:p>
+            <a:r>
+              <a:rPr lang="de-DE" dirty="0"/>
               <a:t>Twitter</a:t>
             </a:r>
           </a:p>
           <a:p>
             <a:r>
               <a:rPr lang="de-DE" dirty="0"/>
-              <a:t>Yahoo Finance</a:t>
-            </a:r>
-          </a:p>
-          <a:p>
-            <a:r>
-              <a:rPr lang="de-DE" dirty="0"/>
-              <a:t>Nasdaq (Stock Ticker)</a:t>
+              <a:t>Google Trends</a:t>
             </a:r>
           </a:p>
           <a:p>
@@ -7636,7 +7551,7 @@
           <a:p>
             <a:r>
               <a:rPr lang="de-DE" dirty="0"/>
-              <a:t>Modelle</a:t>
+              <a:t>Modelle und Evaluation</a:t>
             </a:r>
           </a:p>
         </p:txBody>
@@ -7676,6 +7591,21 @@
           </a:p>
           <a:p>
             <a:pPr lvl="1"/>
+            <a:r>
+              <a:rPr lang="de-DE" dirty="0"/>
+              <a:t>Root Mean </a:t>
+            </a:r>
+            <a:r>
+              <a:rPr lang="de-DE" dirty="0" err="1"/>
+              <a:t>Squared</a:t>
+            </a:r>
+            <a:r>
+              <a:rPr lang="de-DE" dirty="0"/>
+              <a:t> Error</a:t>
+            </a:r>
+          </a:p>
+          <a:p>
+            <a:pPr lvl="1"/>
             <a:endParaRPr lang="de-DE" dirty="0"/>
           </a:p>
           <a:p>
@@ -7687,9 +7617,33 @@
           <a:p>
             <a:pPr lvl="1"/>
             <a:r>
-              <a:rPr lang="de-DE" dirty="0" err="1"/>
-              <a:t>tbd</a:t>
-            </a:r>
+              <a:rPr lang="de-DE" dirty="0"/>
+              <a:t>Naive Bayes</a:t>
+            </a:r>
+          </a:p>
+          <a:p>
+            <a:pPr lvl="1"/>
+            <a:r>
+              <a:rPr lang="de-DE" dirty="0"/>
+              <a:t>Vader Sentiment</a:t>
+            </a:r>
+          </a:p>
+          <a:p>
+            <a:pPr lvl="1"/>
+            <a:r>
+              <a:rPr lang="de-DE" dirty="0"/>
+              <a:t>LSTM (NLTK)</a:t>
+            </a:r>
+          </a:p>
+          <a:p>
+            <a:pPr lvl="1"/>
+            <a:r>
+              <a:rPr lang="de-DE" dirty="0"/>
+              <a:t>Vergleich der Varianten</a:t>
+            </a:r>
+          </a:p>
+          <a:p>
+            <a:pPr lvl="1"/>
             <a:endParaRPr lang="de-DE" dirty="0"/>
           </a:p>
           <a:p>
@@ -7750,7 +7704,7 @@
           <a:p>
             <a:r>
               <a:rPr lang="de-DE" dirty="0"/>
-              <a:t>Implementierung - Challenges</a:t>
+              <a:t>Implementierung</a:t>
             </a:r>
           </a:p>
         </p:txBody>
@@ -7773,7 +7727,9 @@
         </p:nvSpPr>
         <p:spPr/>
         <p:txBody>
-          <a:bodyPr/>
+          <a:bodyPr>
+            <a:normAutofit/>
+          </a:bodyPr>
           <a:lstStyle/>
           <a:p>
             <a:r>
@@ -7808,6 +7764,21 @@
             </a:r>
           </a:p>
           <a:p>
+            <a:pPr lvl="1"/>
+            <a:r>
+              <a:rPr lang="de-DE" dirty="0" err="1"/>
+              <a:t>Epochs</a:t>
+            </a:r>
+            <a:endParaRPr lang="de-DE" dirty="0"/>
+          </a:p>
+          <a:p>
+            <a:pPr lvl="1"/>
+            <a:r>
+              <a:rPr lang="de-DE" dirty="0"/>
+              <a:t>Verschiedene Symbole</a:t>
+            </a:r>
+          </a:p>
+          <a:p>
             <a:r>
               <a:rPr lang="de-DE" dirty="0"/>
               <a:t>Sentiment Analysis</a:t>
@@ -7816,10 +7787,9 @@
           <a:p>
             <a:pPr lvl="1"/>
             <a:r>
-              <a:rPr lang="de-DE" dirty="0" err="1"/>
-              <a:t>tbd</a:t>
-            </a:r>
-            <a:endParaRPr lang="de-DE" dirty="0"/>
+              <a:rPr lang="de-DE" dirty="0"/>
+              <a:t>Anwendung auf Tweets</a:t>
+            </a:r>
           </a:p>
           <a:p>
             <a:r>
@@ -7876,7 +7846,7 @@
           <p:cNvPr id="2" name="Titel 1">
             <a:extLst>
               <a:ext uri="{FF2B5EF4-FFF2-40B4-BE49-F238E27FC236}">
-                <a16:creationId xmlns:a16="http://schemas.microsoft.com/office/drawing/2014/main" id="{3ED61717-7C27-49EE-8B04-6A89BE56FC2A}"/>
+                <a16:creationId xmlns:a16="http://schemas.microsoft.com/office/drawing/2014/main" id="{493276DB-6A56-4526-9484-BE277F386CF0}"/>
               </a:ext>
             </a:extLst>
           </p:cNvPr>
@@ -7889,14 +7859,12 @@
         </p:nvSpPr>
         <p:spPr/>
         <p:txBody>
-          <a:bodyPr>
-            <a:normAutofit/>
-          </a:bodyPr>
+          <a:bodyPr/>
           <a:lstStyle/>
           <a:p>
             <a:r>
               <a:rPr lang="de-DE" dirty="0"/>
-              <a:t>Implementierung - Kreatives</a:t>
+              <a:t>Funktionsweise unseres Modells</a:t>
             </a:r>
           </a:p>
         </p:txBody>
@@ -7906,7 +7874,7 @@
           <p:cNvPr id="3" name="Inhaltsplatzhalter 2">
             <a:extLst>
               <a:ext uri="{FF2B5EF4-FFF2-40B4-BE49-F238E27FC236}">
-                <a16:creationId xmlns:a16="http://schemas.microsoft.com/office/drawing/2014/main" id="{C59599F2-1AA1-45B8-A427-7AB6E184E00F}"/>
+                <a16:creationId xmlns:a16="http://schemas.microsoft.com/office/drawing/2014/main" id="{CDA107C5-D6CC-4A78-9C57-5468F366209D}"/>
               </a:ext>
             </a:extLst>
           </p:cNvPr>
@@ -7930,16 +7898,30 @@
           <a:p>
             <a:pPr lvl="1"/>
             <a:r>
+              <a:rPr lang="de-DE" dirty="0"/>
+              <a:t>LSTM</a:t>
+            </a:r>
+          </a:p>
+          <a:p>
+            <a:pPr lvl="1"/>
+            <a:r>
+              <a:rPr lang="de-DE" dirty="0"/>
+              <a:t>Adam</a:t>
+            </a:r>
+          </a:p>
+          <a:p>
+            <a:pPr lvl="1"/>
+            <a:r>
+              <a:rPr lang="de-DE" dirty="0"/>
+              <a:t>Mean </a:t>
+            </a:r>
+            <a:r>
               <a:rPr lang="de-DE" dirty="0" err="1"/>
-              <a:t>Epochs</a:t>
-            </a:r>
-            <a:endParaRPr lang="de-DE" dirty="0"/>
-          </a:p>
-          <a:p>
-            <a:pPr lvl="1"/>
+              <a:t>Squared</a:t>
+            </a:r>
             <a:r>
               <a:rPr lang="de-DE" dirty="0"/>
-              <a:t>Verschiedene Symbole</a:t>
+              <a:t> Error</a:t>
             </a:r>
           </a:p>
           <a:p>
@@ -7955,34 +7937,16 @@
           <a:p>
             <a:pPr lvl="1"/>
             <a:r>
-              <a:rPr lang="de-DE" dirty="0" err="1"/>
-              <a:t>Tbd</a:t>
-            </a:r>
-            <a:endParaRPr lang="de-DE" dirty="0"/>
-          </a:p>
-          <a:p>
-            <a:r>
               <a:rPr lang="de-DE" dirty="0"/>
-              <a:t>API</a:t>
-            </a:r>
-          </a:p>
-          <a:p>
-            <a:pPr lvl="1"/>
-            <a:r>
-              <a:rPr lang="de-DE" dirty="0" err="1"/>
-              <a:t>tbd</a:t>
-            </a:r>
-            <a:endParaRPr lang="de-DE" dirty="0"/>
-          </a:p>
-          <a:p>
-            <a:endParaRPr lang="de-DE" dirty="0"/>
+              <a:t>Analyse des Eingabetextes durch Library und wiedereinbinden der vorherigen Ergebnisse</a:t>
+            </a:r>
           </a:p>
         </p:txBody>
       </p:sp>
     </p:spTree>
     <p:extLst>
       <p:ext uri="{BB962C8B-B14F-4D97-AF65-F5344CB8AC3E}">
-        <p14:creationId xmlns:p14="http://schemas.microsoft.com/office/powerpoint/2010/main" val="3257204138"/>
+        <p14:creationId xmlns:p14="http://schemas.microsoft.com/office/powerpoint/2010/main" val="2845126893"/>
       </p:ext>
     </p:extLst>
   </p:cSld>
@@ -8014,7 +7978,7 @@
           <p:cNvPr id="2" name="Titel 1">
             <a:extLst>
               <a:ext uri="{FF2B5EF4-FFF2-40B4-BE49-F238E27FC236}">
-                <a16:creationId xmlns:a16="http://schemas.microsoft.com/office/drawing/2014/main" id="{493276DB-6A56-4526-9484-BE277F386CF0}"/>
+                <a16:creationId xmlns:a16="http://schemas.microsoft.com/office/drawing/2014/main" id="{6CAB3C9B-3BEA-4B03-9A64-89B129F8205B}"/>
               </a:ext>
             </a:extLst>
           </p:cNvPr>
@@ -8032,7 +7996,7 @@
           <a:p>
             <a:r>
               <a:rPr lang="de-DE" dirty="0"/>
-              <a:t>Funktionsweise unseres Modells</a:t>
+              <a:t>Ausblick / Verbesserungen</a:t>
             </a:r>
           </a:p>
         </p:txBody>
@@ -8042,7 +8006,7 @@
           <p:cNvPr id="3" name="Inhaltsplatzhalter 2">
             <a:extLst>
               <a:ext uri="{FF2B5EF4-FFF2-40B4-BE49-F238E27FC236}">
-                <a16:creationId xmlns:a16="http://schemas.microsoft.com/office/drawing/2014/main" id="{CDA107C5-D6CC-4A78-9C57-5468F366209D}"/>
+                <a16:creationId xmlns:a16="http://schemas.microsoft.com/office/drawing/2014/main" id="{C77CD767-6257-445E-AD31-441D1DBB5C96}"/>
               </a:ext>
             </a:extLst>
           </p:cNvPr>
@@ -8060,65 +8024,45 @@
           <a:p>
             <a:r>
               <a:rPr lang="de-DE" dirty="0"/>
-              <a:t>Time Series Analysis</a:t>
-            </a:r>
-          </a:p>
-          <a:p>
-            <a:pPr lvl="1"/>
+              <a:t>Mehr Visualisierungen</a:t>
+            </a:r>
+          </a:p>
+          <a:p>
             <a:r>
               <a:rPr lang="de-DE" dirty="0"/>
-              <a:t>LSTM</a:t>
-            </a:r>
-          </a:p>
-          <a:p>
-            <a:pPr lvl="1"/>
+              <a:t>Währungen und Derivate etc. einfügen</a:t>
+            </a:r>
+          </a:p>
+          <a:p>
             <a:r>
               <a:rPr lang="de-DE" dirty="0"/>
-              <a:t>Adam</a:t>
-            </a:r>
-          </a:p>
-          <a:p>
-            <a:pPr lvl="1"/>
+              <a:t>Handlungsempfehlung bereitstellen</a:t>
+            </a:r>
+          </a:p>
+          <a:p>
             <a:r>
               <a:rPr lang="de-DE" dirty="0"/>
-              <a:t>Mean </a:t>
-            </a:r>
-            <a:r>
-              <a:rPr lang="de-DE" dirty="0" err="1"/>
-              <a:t>Squared</a:t>
-            </a:r>
+              <a:t>Umfangreicheres Modell</a:t>
+            </a:r>
+          </a:p>
+          <a:p>
             <a:r>
               <a:rPr lang="de-DE" dirty="0"/>
-              <a:t> Error</a:t>
-            </a:r>
-          </a:p>
-          <a:p>
-            <a:pPr lvl="1"/>
-            <a:endParaRPr lang="de-DE" dirty="0"/>
+              <a:t>Chart Pattern Erkennung</a:t>
+            </a:r>
           </a:p>
           <a:p>
             <a:r>
               <a:rPr lang="de-DE" dirty="0"/>
-              <a:t>Sentiment Analysis</a:t>
-            </a:r>
-          </a:p>
-          <a:p>
-            <a:pPr lvl="1"/>
-            <a:r>
-              <a:rPr lang="de-DE" dirty="0" err="1"/>
-              <a:t>tbd</a:t>
-            </a:r>
-            <a:endParaRPr lang="de-DE" dirty="0"/>
-          </a:p>
-          <a:p>
-            <a:endParaRPr lang="de-DE" dirty="0"/>
+              <a:t>Sentiment auf Location bezogen</a:t>
+            </a:r>
           </a:p>
         </p:txBody>
       </p:sp>
     </p:spTree>
     <p:extLst>
       <p:ext uri="{BB962C8B-B14F-4D97-AF65-F5344CB8AC3E}">
-        <p14:creationId xmlns:p14="http://schemas.microsoft.com/office/powerpoint/2010/main" val="2845126893"/>
+        <p14:creationId xmlns:p14="http://schemas.microsoft.com/office/powerpoint/2010/main" val="3032199047"/>
       </p:ext>
     </p:extLst>
   </p:cSld>
@@ -8150,7 +8094,7 @@
           <p:cNvPr id="2" name="Titel 1">
             <a:extLst>
               <a:ext uri="{FF2B5EF4-FFF2-40B4-BE49-F238E27FC236}">
-                <a16:creationId xmlns:a16="http://schemas.microsoft.com/office/drawing/2014/main" id="{34789C26-872C-4B8B-9886-2A7D8816F29A}"/>
+                <a16:creationId xmlns:a16="http://schemas.microsoft.com/office/drawing/2014/main" id="{5A2EA5A9-C99F-4E79-93F4-1619E505CB5B}"/>
               </a:ext>
             </a:extLst>
           </p:cNvPr>
@@ -8168,92 +8112,15 @@
           <a:p>
             <a:r>
               <a:rPr lang="de-DE" dirty="0"/>
-              <a:t>Evaluation der Modelle</a:t>
-            </a:r>
-          </a:p>
-        </p:txBody>
-      </p:sp>
-      <p:sp>
-        <p:nvSpPr>
-          <p:cNvPr id="3" name="Inhaltsplatzhalter 2">
-            <a:extLst>
-              <a:ext uri="{FF2B5EF4-FFF2-40B4-BE49-F238E27FC236}">
-                <a16:creationId xmlns:a16="http://schemas.microsoft.com/office/drawing/2014/main" id="{FEB18EA4-B1DF-40D2-93DA-84BFDBCA86FA}"/>
-              </a:ext>
-            </a:extLst>
-          </p:cNvPr>
-          <p:cNvSpPr>
-            <a:spLocks noGrp="1"/>
-          </p:cNvSpPr>
-          <p:nvPr>
-            <p:ph idx="1"/>
-          </p:nvPr>
-        </p:nvSpPr>
-        <p:spPr/>
-        <p:txBody>
-          <a:bodyPr/>
-          <a:lstStyle/>
-          <a:p>
-            <a:r>
-              <a:rPr lang="de-DE" dirty="0"/>
-              <a:t>Time Series Analysis</a:t>
-            </a:r>
-          </a:p>
-          <a:p>
-            <a:pPr lvl="1"/>
-            <a:r>
-              <a:rPr lang="de-DE" dirty="0"/>
-              <a:t>Root </a:t>
-            </a:r>
-            <a:r>
-              <a:rPr lang="de-DE" dirty="0" err="1"/>
-              <a:t>mean</a:t>
-            </a:r>
-            <a:r>
-              <a:rPr lang="de-DE" dirty="0"/>
-              <a:t> </a:t>
-            </a:r>
-            <a:r>
-              <a:rPr lang="de-DE" dirty="0" err="1"/>
-              <a:t>squared</a:t>
-            </a:r>
-            <a:r>
-              <a:rPr lang="de-DE" dirty="0"/>
-              <a:t> </a:t>
-            </a:r>
-            <a:r>
-              <a:rPr lang="de-DE" dirty="0" err="1"/>
-              <a:t>error</a:t>
-            </a:r>
-            <a:endParaRPr lang="de-DE" dirty="0"/>
-          </a:p>
-          <a:p>
-            <a:pPr lvl="1"/>
-            <a:endParaRPr lang="de-DE" dirty="0"/>
-          </a:p>
-          <a:p>
-            <a:r>
-              <a:rPr lang="de-DE" dirty="0"/>
-              <a:t>Sentiment Analysis</a:t>
-            </a:r>
-          </a:p>
-          <a:p>
-            <a:pPr lvl="1"/>
-            <a:r>
-              <a:rPr lang="de-DE" dirty="0" err="1"/>
-              <a:t>tbd</a:t>
-            </a:r>
-            <a:endParaRPr lang="de-DE" dirty="0"/>
-          </a:p>
-          <a:p>
-            <a:endParaRPr lang="de-DE" dirty="0"/>
+              <a:t>Live Demo</a:t>
+            </a:r>
           </a:p>
         </p:txBody>
       </p:sp>
     </p:spTree>
     <p:extLst>
       <p:ext uri="{BB962C8B-B14F-4D97-AF65-F5344CB8AC3E}">
-        <p14:creationId xmlns:p14="http://schemas.microsoft.com/office/powerpoint/2010/main" val="629275018"/>
+        <p14:creationId xmlns:p14="http://schemas.microsoft.com/office/powerpoint/2010/main" val="1083751244"/>
       </p:ext>
     </p:extLst>
   </p:cSld>
